--- a/Présentation_intermediaire.pptx
+++ b/Présentation_intermediaire.pptx
@@ -7,14 +7,9 @@
   <p:sldIdLst>
     <p:sldId id="256" r:id="rId2"/>
     <p:sldId id="257" r:id="rId3"/>
-    <p:sldId id="258" r:id="rId4"/>
-    <p:sldId id="259" r:id="rId5"/>
-    <p:sldId id="260" r:id="rId6"/>
-    <p:sldId id="261" r:id="rId7"/>
-    <p:sldId id="262" r:id="rId8"/>
-    <p:sldId id="265" r:id="rId9"/>
-    <p:sldId id="263" r:id="rId10"/>
-    <p:sldId id="264" r:id="rId11"/>
+    <p:sldId id="266" r:id="rId4"/>
+    <p:sldId id="265" r:id="rId5"/>
+    <p:sldId id="259" r:id="rId6"/>
   </p:sldIdLst>
   <p:sldSz cx="12192000" cy="6858000"/>
   <p:notesSz cx="6858000" cy="9144000"/>
@@ -113,6 +108,11 @@
       </a:defRPr>
     </a:lvl9pPr>
   </p:defaultTextStyle>
+  <p:extLst>
+    <p:ext uri="{EFAFB233-063F-42B5-8137-9DF3F51BA10A}">
+      <p15:sldGuideLst xmlns:p15="http://schemas.microsoft.com/office/powerpoint/2012/main"/>
+    </p:ext>
+  </p:extLst>
 </p:presentation>
 </file>
 
@@ -304,7 +304,7 @@
           <a:p>
             <a:fld id="{022FD1FF-A031-4593-A3E1-0F20AD24E468}" type="datetimeFigureOut">
               <a:rPr lang="fr-FR" smtClean="0"/>
-              <a:t>26/02/2020</a:t>
+              <a:t>02/03/2020</a:t>
             </a:fld>
             <a:endParaRPr lang="fr-FR"/>
           </a:p>
@@ -642,7 +642,7 @@
           <a:p>
             <a:fld id="{022FD1FF-A031-4593-A3E1-0F20AD24E468}" type="datetimeFigureOut">
               <a:rPr lang="fr-FR" smtClean="0"/>
-              <a:t>26/02/2020</a:t>
+              <a:t>02/03/2020</a:t>
             </a:fld>
             <a:endParaRPr lang="fr-FR"/>
           </a:p>
@@ -1043,7 +1043,7 @@
           <a:p>
             <a:fld id="{022FD1FF-A031-4593-A3E1-0F20AD24E468}" type="datetimeFigureOut">
               <a:rPr lang="fr-FR" smtClean="0"/>
-              <a:t>26/02/2020</a:t>
+              <a:t>02/03/2020</a:t>
             </a:fld>
             <a:endParaRPr lang="fr-FR"/>
           </a:p>
@@ -1379,7 +1379,7 @@
           <a:p>
             <a:fld id="{022FD1FF-A031-4593-A3E1-0F20AD24E468}" type="datetimeFigureOut">
               <a:rPr lang="fr-FR" smtClean="0"/>
-              <a:t>26/02/2020</a:t>
+              <a:t>02/03/2020</a:t>
             </a:fld>
             <a:endParaRPr lang="fr-FR"/>
           </a:p>
@@ -1699,7 +1699,7 @@
           <a:p>
             <a:fld id="{022FD1FF-A031-4593-A3E1-0F20AD24E468}" type="datetimeFigureOut">
               <a:rPr lang="fr-FR" smtClean="0"/>
-              <a:t>26/02/2020</a:t>
+              <a:t>02/03/2020</a:t>
             </a:fld>
             <a:endParaRPr lang="fr-FR"/>
           </a:p>
@@ -2095,7 +2095,7 @@
           <a:p>
             <a:fld id="{022FD1FF-A031-4593-A3E1-0F20AD24E468}" type="datetimeFigureOut">
               <a:rPr lang="fr-FR" smtClean="0"/>
-              <a:t>26/02/2020</a:t>
+              <a:t>02/03/2020</a:t>
             </a:fld>
             <a:endParaRPr lang="fr-FR"/>
           </a:p>
@@ -2352,7 +2352,7 @@
           <a:p>
             <a:fld id="{022FD1FF-A031-4593-A3E1-0F20AD24E468}" type="datetimeFigureOut">
               <a:rPr lang="fr-FR" smtClean="0"/>
-              <a:t>26/02/2020</a:t>
+              <a:t>02/03/2020</a:t>
             </a:fld>
             <a:endParaRPr lang="fr-FR"/>
           </a:p>
@@ -2614,7 +2614,7 @@
           <a:p>
             <a:fld id="{022FD1FF-A031-4593-A3E1-0F20AD24E468}" type="datetimeFigureOut">
               <a:rPr lang="fr-FR" smtClean="0"/>
-              <a:t>26/02/2020</a:t>
+              <a:t>02/03/2020</a:t>
             </a:fld>
             <a:endParaRPr lang="fr-FR"/>
           </a:p>
@@ -2876,7 +2876,7 @@
           <a:p>
             <a:fld id="{022FD1FF-A031-4593-A3E1-0F20AD24E468}" type="datetimeFigureOut">
               <a:rPr lang="fr-FR" smtClean="0"/>
-              <a:t>26/02/2020</a:t>
+              <a:t>02/03/2020</a:t>
             </a:fld>
             <a:endParaRPr lang="fr-FR"/>
           </a:p>
@@ -3205,7 +3205,7 @@
           <a:p>
             <a:fld id="{022FD1FF-A031-4593-A3E1-0F20AD24E468}" type="datetimeFigureOut">
               <a:rPr lang="fr-FR" smtClean="0"/>
-              <a:t>26/02/2020</a:t>
+              <a:t>02/03/2020</a:t>
             </a:fld>
             <a:endParaRPr lang="fr-FR"/>
           </a:p>
@@ -3528,7 +3528,7 @@
           <a:p>
             <a:fld id="{022FD1FF-A031-4593-A3E1-0F20AD24E468}" type="datetimeFigureOut">
               <a:rPr lang="fr-FR" smtClean="0"/>
-              <a:t>26/02/2020</a:t>
+              <a:t>02/03/2020</a:t>
             </a:fld>
             <a:endParaRPr lang="fr-FR"/>
           </a:p>
@@ -3985,7 +3985,7 @@
           <a:p>
             <a:fld id="{022FD1FF-A031-4593-A3E1-0F20AD24E468}" type="datetimeFigureOut">
               <a:rPr lang="fr-FR" smtClean="0"/>
-              <a:t>26/02/2020</a:t>
+              <a:t>02/03/2020</a:t>
             </a:fld>
             <a:endParaRPr lang="fr-FR"/>
           </a:p>
@@ -4190,7 +4190,7 @@
           <a:p>
             <a:fld id="{022FD1FF-A031-4593-A3E1-0F20AD24E468}" type="datetimeFigureOut">
               <a:rPr lang="fr-FR" smtClean="0"/>
-              <a:t>26/02/2020</a:t>
+              <a:t>02/03/2020</a:t>
             </a:fld>
             <a:endParaRPr lang="fr-FR"/>
           </a:p>
@@ -4367,7 +4367,7 @@
           <a:p>
             <a:fld id="{022FD1FF-A031-4593-A3E1-0F20AD24E468}" type="datetimeFigureOut">
               <a:rPr lang="fr-FR" smtClean="0"/>
-              <a:t>26/02/2020</a:t>
+              <a:t>02/03/2020</a:t>
             </a:fld>
             <a:endParaRPr lang="fr-FR"/>
           </a:p>
@@ -4700,7 +4700,7 @@
           <a:p>
             <a:fld id="{022FD1FF-A031-4593-A3E1-0F20AD24E468}" type="datetimeFigureOut">
               <a:rPr lang="fr-FR" smtClean="0"/>
-              <a:t>26/02/2020</a:t>
+              <a:t>02/03/2020</a:t>
             </a:fld>
             <a:endParaRPr lang="fr-FR"/>
           </a:p>
@@ -5045,7 +5045,7 @@
           <a:p>
             <a:fld id="{022FD1FF-A031-4593-A3E1-0F20AD24E468}" type="datetimeFigureOut">
               <a:rPr lang="fr-FR" smtClean="0"/>
-              <a:t>26/02/2020</a:t>
+              <a:t>02/03/2020</a:t>
             </a:fld>
             <a:endParaRPr lang="fr-FR"/>
           </a:p>
@@ -7162,7 +7162,7 @@
           <a:p>
             <a:fld id="{022FD1FF-A031-4593-A3E1-0F20AD24E468}" type="datetimeFigureOut">
               <a:rPr lang="fr-FR" smtClean="0"/>
-              <a:t>26/02/2020</a:t>
+              <a:t>02/03/2020</a:t>
             </a:fld>
             <a:endParaRPr lang="fr-FR"/>
           </a:p>
@@ -7827,150 +7827,6 @@
 </p:sld>
 </file>
 
-<file path=ppt/slides/slide10.xml><?xml version="1.0" encoding="utf-8"?>
-<p:sld xmlns:a="http://schemas.openxmlformats.org/drawingml/2006/main" xmlns:r="http://schemas.openxmlformats.org/officeDocument/2006/relationships" xmlns:p="http://schemas.openxmlformats.org/presentationml/2006/main">
-  <p:cSld>
-    <p:spTree>
-      <p:nvGrpSpPr>
-        <p:cNvPr id="1" name=""/>
-        <p:cNvGrpSpPr/>
-        <p:nvPr/>
-      </p:nvGrpSpPr>
-      <p:grpSpPr>
-        <a:xfrm>
-          <a:off x="0" y="0"/>
-          <a:ext cx="0" cy="0"/>
-          <a:chOff x="0" y="0"/>
-          <a:chExt cx="0" cy="0"/>
-        </a:xfrm>
-      </p:grpSpPr>
-      <p:sp>
-        <p:nvSpPr>
-          <p:cNvPr id="2" name="Titre 1">
-            <a:extLst>
-              <a:ext uri="{FF2B5EF4-FFF2-40B4-BE49-F238E27FC236}">
-                <a16:creationId xmlns:a16="http://schemas.microsoft.com/office/drawing/2014/main" id="{2F091F2A-9116-423C-A21C-40E1BBAC381E}"/>
-              </a:ext>
-            </a:extLst>
-          </p:cNvPr>
-          <p:cNvSpPr>
-            <a:spLocks noGrp="1"/>
-          </p:cNvSpPr>
-          <p:nvPr>
-            <p:ph type="title"/>
-          </p:nvPr>
-        </p:nvSpPr>
-        <p:spPr/>
-        <p:txBody>
-          <a:bodyPr/>
-          <a:lstStyle/>
-          <a:p>
-            <a:pPr algn="ctr"/>
-            <a:r>
-              <a:rPr lang="fr-FR" dirty="0"/>
-              <a:t>CONCLUSION</a:t>
-            </a:r>
-          </a:p>
-        </p:txBody>
-      </p:sp>
-      <p:sp>
-        <p:nvSpPr>
-          <p:cNvPr id="3" name="Espace réservé du contenu 2">
-            <a:extLst>
-              <a:ext uri="{FF2B5EF4-FFF2-40B4-BE49-F238E27FC236}">
-                <a16:creationId xmlns:a16="http://schemas.microsoft.com/office/drawing/2014/main" id="{EDB4BC56-03C7-4886-A5CA-78247FDE17B3}"/>
-              </a:ext>
-            </a:extLst>
-          </p:cNvPr>
-          <p:cNvSpPr>
-            <a:spLocks noGrp="1"/>
-          </p:cNvSpPr>
-          <p:nvPr>
-            <p:ph idx="1"/>
-          </p:nvPr>
-        </p:nvSpPr>
-        <p:spPr/>
-        <p:txBody>
-          <a:bodyPr/>
-          <a:lstStyle/>
-          <a:p>
-            <a:pPr marL="0" indent="0">
-              <a:buNone/>
-            </a:pPr>
-            <a:endParaRPr lang="fr-FR" dirty="0"/>
-          </a:p>
-          <a:p>
-            <a:endParaRPr lang="fr-FR" dirty="0"/>
-          </a:p>
-          <a:p>
-            <a:r>
-              <a:rPr lang="fr-FR" dirty="0"/>
-              <a:t>Problèmes rencontrés</a:t>
-            </a:r>
-          </a:p>
-          <a:p>
-            <a:endParaRPr lang="fr-FR" dirty="0"/>
-          </a:p>
-          <a:p>
-            <a:endParaRPr lang="fr-FR" dirty="0"/>
-          </a:p>
-          <a:p>
-            <a:r>
-              <a:rPr lang="fr-FR" dirty="0"/>
-              <a:t>Ce qui reste a faire</a:t>
-            </a:r>
-          </a:p>
-        </p:txBody>
-      </p:sp>
-      <p:pic>
-        <p:nvPicPr>
-          <p:cNvPr id="5" name="Image 4">
-            <a:extLst>
-              <a:ext uri="{FF2B5EF4-FFF2-40B4-BE49-F238E27FC236}">
-                <a16:creationId xmlns:a16="http://schemas.microsoft.com/office/drawing/2014/main" id="{4EDCEF7C-EAE4-4868-98C3-38024F1B7F33}"/>
-              </a:ext>
-            </a:extLst>
-          </p:cNvPr>
-          <p:cNvPicPr>
-            <a:picLocks noChangeAspect="1"/>
-          </p:cNvPicPr>
-          <p:nvPr/>
-        </p:nvPicPr>
-        <p:blipFill>
-          <a:blip r:embed="rId2">
-            <a:extLst>
-              <a:ext uri="{28A0092B-C50C-407E-A947-70E740481C1C}">
-                <a14:useLocalDpi xmlns:a14="http://schemas.microsoft.com/office/drawing/2010/main" val="0"/>
-              </a:ext>
-            </a:extLst>
-          </a:blip>
-          <a:stretch>
-            <a:fillRect/>
-          </a:stretch>
-        </p:blipFill>
-        <p:spPr>
-          <a:xfrm>
-            <a:off x="126421" y="698913"/>
-            <a:ext cx="1121934" cy="565642"/>
-          </a:xfrm>
-          <a:prstGeom prst="rect">
-            <a:avLst/>
-          </a:prstGeom>
-        </p:spPr>
-      </p:pic>
-    </p:spTree>
-    <p:extLst>
-      <p:ext uri="{BB962C8B-B14F-4D97-AF65-F5344CB8AC3E}">
-        <p14:creationId xmlns:p14="http://schemas.microsoft.com/office/powerpoint/2010/main" val="3958839037"/>
-      </p:ext>
-    </p:extLst>
-  </p:cSld>
-  <p:clrMapOvr>
-    <a:masterClrMapping/>
-  </p:clrMapOvr>
-</p:sld>
-</file>
-
 <file path=ppt/slides/slide2.xml><?xml version="1.0" encoding="utf-8"?>
 <p:sld xmlns:a="http://schemas.openxmlformats.org/drawingml/2006/main" xmlns:r="http://schemas.openxmlformats.org/officeDocument/2006/relationships" xmlns:p="http://schemas.openxmlformats.org/presentationml/2006/main">
   <p:cSld>
@@ -8048,7 +7904,33 @@
             </a:pPr>
             <a:r>
               <a:rPr lang="fr-FR" dirty="0"/>
-              <a:t>Introduction</a:t>
+              <a:t>Le projet en bref</a:t>
+            </a:r>
+          </a:p>
+          <a:p>
+            <a:pPr marL="0" indent="0">
+              <a:spcBef>
+                <a:spcPts val="600"/>
+              </a:spcBef>
+              <a:spcAft>
+                <a:spcPts val="600"/>
+              </a:spcAft>
+              <a:buNone/>
+            </a:pPr>
+            <a:endParaRPr lang="fr-FR" dirty="0"/>
+          </a:p>
+          <a:p>
+            <a:pPr>
+              <a:spcBef>
+                <a:spcPts val="600"/>
+              </a:spcBef>
+              <a:spcAft>
+                <a:spcPts val="600"/>
+              </a:spcAft>
+            </a:pPr>
+            <a:r>
+              <a:rPr lang="fr-FR" dirty="0"/>
+              <a:t>Avancement</a:t>
             </a:r>
           </a:p>
           <a:p>
@@ -8073,7 +7955,7 @@
             </a:pPr>
             <a:r>
               <a:rPr lang="fr-FR" dirty="0"/>
-              <a:t>Organisation</a:t>
+              <a:t>Les futurs objectifs</a:t>
             </a:r>
           </a:p>
           <a:p>
@@ -8088,43 +7970,16 @@
             <a:endParaRPr lang="fr-FR" dirty="0"/>
           </a:p>
           <a:p>
-            <a:pPr>
+            <a:pPr marL="0" indent="0">
               <a:spcBef>
                 <a:spcPts val="600"/>
               </a:spcBef>
               <a:spcAft>
                 <a:spcPts val="600"/>
               </a:spcAft>
-            </a:pPr>
-            <a:r>
-              <a:rPr lang="fr-FR" dirty="0"/>
-              <a:t>Avancement</a:t>
-            </a:r>
-          </a:p>
-          <a:p>
-            <a:pPr>
-              <a:spcBef>
-                <a:spcPts val="600"/>
-              </a:spcBef>
-              <a:spcAft>
-                <a:spcPts val="600"/>
-              </a:spcAft>
+              <a:buNone/>
             </a:pPr>
             <a:endParaRPr lang="fr-FR" dirty="0"/>
-          </a:p>
-          <a:p>
-            <a:pPr>
-              <a:spcBef>
-                <a:spcPts val="600"/>
-              </a:spcBef>
-              <a:spcAft>
-                <a:spcPts val="600"/>
-              </a:spcAft>
-            </a:pPr>
-            <a:r>
-              <a:rPr lang="fr-FR" dirty="0"/>
-              <a:t>Conclusion</a:t>
-            </a:r>
           </a:p>
         </p:txBody>
       </p:sp>
@@ -8199,7 +8054,7 @@
           <p:cNvPr id="2" name="Titre 1">
             <a:extLst>
               <a:ext uri="{FF2B5EF4-FFF2-40B4-BE49-F238E27FC236}">
-                <a16:creationId xmlns:a16="http://schemas.microsoft.com/office/drawing/2014/main" id="{8BE011C2-979B-406C-8C51-49CAA22EC72E}"/>
+                <a16:creationId xmlns:a16="http://schemas.microsoft.com/office/drawing/2014/main" id="{7135B51F-234C-4F08-BB60-43B7FF242FDE}"/>
               </a:ext>
             </a:extLst>
           </p:cNvPr>
@@ -8218,7 +8073,7 @@
             <a:pPr algn="ctr"/>
             <a:r>
               <a:rPr lang="fr-FR" dirty="0"/>
-              <a:t>INTRODUCTION</a:t>
+              <a:t>Le projet en bref</a:t>
             </a:r>
           </a:p>
         </p:txBody>
@@ -8228,7 +8083,7 @@
           <p:cNvPr id="3" name="Espace réservé du contenu 2">
             <a:extLst>
               <a:ext uri="{FF2B5EF4-FFF2-40B4-BE49-F238E27FC236}">
-                <a16:creationId xmlns:a16="http://schemas.microsoft.com/office/drawing/2014/main" id="{F2DE9181-D6C7-497A-831F-34D5E6F1468E}"/>
+                <a16:creationId xmlns:a16="http://schemas.microsoft.com/office/drawing/2014/main" id="{377BD65B-4AC7-469A-AD6B-F38906C0606D}"/>
               </a:ext>
             </a:extLst>
           </p:cNvPr>
@@ -8241,74 +8096,49 @@
         </p:nvSpPr>
         <p:spPr/>
         <p:txBody>
-          <a:bodyPr>
-            <a:normAutofit/>
-          </a:bodyPr>
+          <a:bodyPr/>
           <a:lstStyle/>
           <a:p>
-            <a:pPr>
-              <a:spcBef>
-                <a:spcPts val="600"/>
-              </a:spcBef>
-              <a:spcAft>
-                <a:spcPts val="4800"/>
-              </a:spcAft>
-            </a:pPr>
             <a:r>
               <a:rPr lang="fr-FR" dirty="0"/>
-              <a:t>Général</a:t>
-            </a:r>
-          </a:p>
-          <a:p>
-            <a:pPr>
-              <a:spcBef>
-                <a:spcPts val="600"/>
-              </a:spcBef>
-              <a:spcAft>
-                <a:spcPts val="4800"/>
-              </a:spcAft>
-            </a:pPr>
+              <a:t>4 projets en 1</a:t>
+            </a:r>
+          </a:p>
+          <a:p>
+            <a:endParaRPr lang="fr-FR" dirty="0"/>
+          </a:p>
+          <a:p>
             <a:r>
               <a:rPr lang="fr-FR" dirty="0"/>
-              <a:t>Infrastructure</a:t>
-            </a:r>
-          </a:p>
-          <a:p>
-            <a:pPr>
-              <a:spcBef>
-                <a:spcPts val="600"/>
-              </a:spcBef>
-              <a:spcAft>
-                <a:spcPts val="4800"/>
-              </a:spcAft>
-            </a:pPr>
+              <a:t>Infra</a:t>
+            </a:r>
+          </a:p>
+          <a:p>
+            <a:endParaRPr lang="fr-FR" dirty="0"/>
+          </a:p>
+          <a:p>
             <a:r>
               <a:rPr lang="fr-FR" dirty="0"/>
-              <a:t>Site web</a:t>
-            </a:r>
-          </a:p>
-          <a:p>
-            <a:pPr>
-              <a:spcBef>
-                <a:spcPts val="600"/>
-              </a:spcBef>
-              <a:spcAft>
-                <a:spcPts val="4800"/>
-              </a:spcAft>
-            </a:pPr>
+              <a:t>Web</a:t>
+            </a:r>
+          </a:p>
+          <a:p>
+            <a:endParaRPr lang="fr-FR" dirty="0"/>
+          </a:p>
+          <a:p>
             <a:r>
               <a:rPr lang="fr-FR" dirty="0"/>
-              <a:t>application</a:t>
+              <a:t>Logiciel</a:t>
             </a:r>
           </a:p>
         </p:txBody>
       </p:sp>
       <p:pic>
         <p:nvPicPr>
-          <p:cNvPr id="5" name="Image 4">
+          <p:cNvPr id="4" name="Image 3">
             <a:extLst>
               <a:ext uri="{FF2B5EF4-FFF2-40B4-BE49-F238E27FC236}">
-                <a16:creationId xmlns:a16="http://schemas.microsoft.com/office/drawing/2014/main" id="{7E6C4BB2-ACB8-4ED5-AFF4-20249422DC12}"/>
+                <a16:creationId xmlns:a16="http://schemas.microsoft.com/office/drawing/2014/main" id="{86F7BE9D-B3A9-4BEB-86A8-4FF3C8CEBF9A}"/>
               </a:ext>
             </a:extLst>
           </p:cNvPr>
@@ -8342,7 +8172,7 @@
     </p:spTree>
     <p:extLst>
       <p:ext uri="{BB962C8B-B14F-4D97-AF65-F5344CB8AC3E}">
-        <p14:creationId xmlns:p14="http://schemas.microsoft.com/office/powerpoint/2010/main" val="376154510"/>
+        <p14:creationId xmlns:p14="http://schemas.microsoft.com/office/powerpoint/2010/main" val="3173015458"/>
       </p:ext>
     </p:extLst>
   </p:cSld>
@@ -8374,6 +8204,213 @@
           <p:cNvPr id="2" name="Titre 1">
             <a:extLst>
               <a:ext uri="{FF2B5EF4-FFF2-40B4-BE49-F238E27FC236}">
+                <a16:creationId xmlns:a16="http://schemas.microsoft.com/office/drawing/2014/main" id="{11BCF0A1-0845-4717-9A01-85E1750EC97D}"/>
+              </a:ext>
+            </a:extLst>
+          </p:cNvPr>
+          <p:cNvSpPr>
+            <a:spLocks noGrp="1"/>
+          </p:cNvSpPr>
+          <p:nvPr>
+            <p:ph type="title"/>
+          </p:nvPr>
+        </p:nvSpPr>
+        <p:spPr>
+          <a:xfrm>
+            <a:off x="2592926" y="624110"/>
+            <a:ext cx="8069482" cy="1280890"/>
+          </a:xfrm>
+        </p:spPr>
+        <p:txBody>
+          <a:bodyPr/>
+          <a:lstStyle/>
+          <a:p>
+            <a:pPr algn="ctr"/>
+            <a:r>
+              <a:rPr lang="fr-FR" dirty="0"/>
+              <a:t>AVANCEMENT</a:t>
+            </a:r>
+          </a:p>
+        </p:txBody>
+      </p:sp>
+      <p:pic>
+        <p:nvPicPr>
+          <p:cNvPr id="5" name="Espace réservé du contenu 4" descr="Une image contenant carte, texte&#10;&#10;Description générée automatiquement">
+            <a:extLst>
+              <a:ext uri="{FF2B5EF4-FFF2-40B4-BE49-F238E27FC236}">
+                <a16:creationId xmlns:a16="http://schemas.microsoft.com/office/drawing/2014/main" id="{069180AD-98D3-4750-BA8D-CD02BA47B019}"/>
+              </a:ext>
+            </a:extLst>
+          </p:cNvPr>
+          <p:cNvPicPr>
+            <a:picLocks noGrp="1" noChangeAspect="1"/>
+          </p:cNvPicPr>
+          <p:nvPr>
+            <p:ph idx="1"/>
+          </p:nvPr>
+        </p:nvPicPr>
+        <p:blipFill>
+          <a:blip r:embed="rId2">
+            <a:extLst>
+              <a:ext uri="{28A0092B-C50C-407E-A947-70E740481C1C}">
+                <a14:useLocalDpi xmlns:a14="http://schemas.microsoft.com/office/drawing/2010/main" val="0"/>
+              </a:ext>
+            </a:extLst>
+          </a:blip>
+          <a:stretch>
+            <a:fillRect/>
+          </a:stretch>
+        </p:blipFill>
+        <p:spPr>
+          <a:xfrm>
+            <a:off x="1753705" y="1396481"/>
+            <a:ext cx="4633654" cy="2646216"/>
+          </a:xfrm>
+        </p:spPr>
+      </p:pic>
+      <p:pic>
+        <p:nvPicPr>
+          <p:cNvPr id="7" name="Image 6">
+            <a:extLst>
+              <a:ext uri="{FF2B5EF4-FFF2-40B4-BE49-F238E27FC236}">
+                <a16:creationId xmlns:a16="http://schemas.microsoft.com/office/drawing/2014/main" id="{3B12713B-C368-430A-ABB6-0985CA1DEDC6}"/>
+              </a:ext>
+            </a:extLst>
+          </p:cNvPr>
+          <p:cNvPicPr>
+            <a:picLocks noChangeAspect="1"/>
+          </p:cNvPicPr>
+          <p:nvPr/>
+        </p:nvPicPr>
+        <p:blipFill>
+          <a:blip r:embed="rId3">
+            <a:extLst>
+              <a:ext uri="{28A0092B-C50C-407E-A947-70E740481C1C}">
+                <a14:useLocalDpi xmlns:a14="http://schemas.microsoft.com/office/drawing/2010/main" val="0"/>
+              </a:ext>
+            </a:extLst>
+          </a:blip>
+          <a:stretch>
+            <a:fillRect/>
+          </a:stretch>
+        </p:blipFill>
+        <p:spPr>
+          <a:xfrm>
+            <a:off x="126421" y="698913"/>
+            <a:ext cx="1121934" cy="565642"/>
+          </a:xfrm>
+          <a:prstGeom prst="rect">
+            <a:avLst/>
+          </a:prstGeom>
+        </p:spPr>
+      </p:pic>
+      <p:pic>
+        <p:nvPicPr>
+          <p:cNvPr id="9" name="Image 8" descr="Une image contenant capture d’écran&#10;&#10;Description générée automatiquement">
+            <a:extLst>
+              <a:ext uri="{FF2B5EF4-FFF2-40B4-BE49-F238E27FC236}">
+                <a16:creationId xmlns:a16="http://schemas.microsoft.com/office/drawing/2014/main" id="{75173BC4-2BB3-4460-9FB8-8ABA2DF98788}"/>
+              </a:ext>
+            </a:extLst>
+          </p:cNvPr>
+          <p:cNvPicPr>
+            <a:picLocks noChangeAspect="1"/>
+          </p:cNvPicPr>
+          <p:nvPr/>
+        </p:nvPicPr>
+        <p:blipFill>
+          <a:blip r:embed="rId4">
+            <a:extLst>
+              <a:ext uri="{28A0092B-C50C-407E-A947-70E740481C1C}">
+                <a14:useLocalDpi xmlns:a14="http://schemas.microsoft.com/office/drawing/2010/main" val="0"/>
+              </a:ext>
+            </a:extLst>
+          </a:blip>
+          <a:stretch>
+            <a:fillRect/>
+          </a:stretch>
+        </p:blipFill>
+        <p:spPr>
+          <a:xfrm>
+            <a:off x="6870958" y="1396481"/>
+            <a:ext cx="4633654" cy="2646216"/>
+          </a:xfrm>
+          <a:prstGeom prst="rect">
+            <a:avLst/>
+          </a:prstGeom>
+        </p:spPr>
+      </p:pic>
+      <p:pic>
+        <p:nvPicPr>
+          <p:cNvPr id="11" name="Image 10" descr="Une image contenant capture d’écran&#10;&#10;Description générée automatiquement">
+            <a:extLst>
+              <a:ext uri="{FF2B5EF4-FFF2-40B4-BE49-F238E27FC236}">
+                <a16:creationId xmlns:a16="http://schemas.microsoft.com/office/drawing/2014/main" id="{31CE3880-881F-4216-A5F4-AAA921B37663}"/>
+              </a:ext>
+            </a:extLst>
+          </p:cNvPr>
+          <p:cNvPicPr>
+            <a:picLocks noChangeAspect="1"/>
+          </p:cNvPicPr>
+          <p:nvPr/>
+        </p:nvPicPr>
+        <p:blipFill>
+          <a:blip r:embed="rId5">
+            <a:extLst>
+              <a:ext uri="{28A0092B-C50C-407E-A947-70E740481C1C}">
+                <a14:useLocalDpi xmlns:a14="http://schemas.microsoft.com/office/drawing/2010/main" val="0"/>
+              </a:ext>
+            </a:extLst>
+          </a:blip>
+          <a:stretch>
+            <a:fillRect/>
+          </a:stretch>
+        </p:blipFill>
+        <p:spPr>
+          <a:xfrm>
+            <a:off x="3209522" y="4633265"/>
+            <a:ext cx="5772956" cy="1152686"/>
+          </a:xfrm>
+          <a:prstGeom prst="rect">
+            <a:avLst/>
+          </a:prstGeom>
+        </p:spPr>
+      </p:pic>
+    </p:spTree>
+    <p:extLst>
+      <p:ext uri="{BB962C8B-B14F-4D97-AF65-F5344CB8AC3E}">
+        <p14:creationId xmlns:p14="http://schemas.microsoft.com/office/powerpoint/2010/main" val="110905116"/>
+      </p:ext>
+    </p:extLst>
+  </p:cSld>
+  <p:clrMapOvr>
+    <a:masterClrMapping/>
+  </p:clrMapOvr>
+</p:sld>
+</file>
+
+<file path=ppt/slides/slide5.xml><?xml version="1.0" encoding="utf-8"?>
+<p:sld xmlns:a="http://schemas.openxmlformats.org/drawingml/2006/main" xmlns:r="http://schemas.openxmlformats.org/officeDocument/2006/relationships" xmlns:p="http://schemas.openxmlformats.org/presentationml/2006/main">
+  <p:cSld>
+    <p:spTree>
+      <p:nvGrpSpPr>
+        <p:cNvPr id="1" name=""/>
+        <p:cNvGrpSpPr/>
+        <p:nvPr/>
+      </p:nvGrpSpPr>
+      <p:grpSpPr>
+        <a:xfrm>
+          <a:off x="0" y="0"/>
+          <a:ext cx="0" cy="0"/>
+          <a:chOff x="0" y="0"/>
+          <a:chExt cx="0" cy="0"/>
+        </a:xfrm>
+      </p:grpSpPr>
+      <p:sp>
+        <p:nvSpPr>
+          <p:cNvPr id="2" name="Titre 1">
+            <a:extLst>
+              <a:ext uri="{FF2B5EF4-FFF2-40B4-BE49-F238E27FC236}">
                 <a16:creationId xmlns:a16="http://schemas.microsoft.com/office/drawing/2014/main" id="{8AB568E2-6898-4F12-81C3-47A3B5584168}"/>
               </a:ext>
             </a:extLst>
@@ -8393,7 +8430,7 @@
             <a:pPr algn="ctr"/>
             <a:r>
               <a:rPr lang="fr-FR" dirty="0"/>
-              <a:t>GENERAL</a:t>
+              <a:t>Les futurs objectifs</a:t>
             </a:r>
           </a:p>
         </p:txBody>
@@ -8419,7 +8456,37 @@
           <a:bodyPr/>
           <a:lstStyle/>
           <a:p>
-            <a:endParaRPr lang="fr-FR"/>
+            <a:r>
+              <a:rPr lang="fr-FR" dirty="0"/>
+              <a:t>Mise en place de l’infra</a:t>
+            </a:r>
+          </a:p>
+          <a:p>
+            <a:endParaRPr lang="fr-FR" dirty="0"/>
+          </a:p>
+          <a:p>
+            <a:r>
+              <a:rPr lang="fr-FR" dirty="0"/>
+              <a:t>Création de la Data Base</a:t>
+            </a:r>
+          </a:p>
+          <a:p>
+            <a:endParaRPr lang="fr-FR" dirty="0"/>
+          </a:p>
+          <a:p>
+            <a:r>
+              <a:rPr lang="fr-FR" dirty="0"/>
+              <a:t>Réalisation du site</a:t>
+            </a:r>
+          </a:p>
+          <a:p>
+            <a:endParaRPr lang="fr-FR" dirty="0"/>
+          </a:p>
+          <a:p>
+            <a:r>
+              <a:rPr lang="fr-FR" dirty="0"/>
+              <a:t>Développement de l’application</a:t>
+            </a:r>
           </a:p>
         </p:txBody>
       </p:sp>
@@ -8463,715 +8530,6 @@
     <p:extLst>
       <p:ext uri="{BB962C8B-B14F-4D97-AF65-F5344CB8AC3E}">
         <p14:creationId xmlns:p14="http://schemas.microsoft.com/office/powerpoint/2010/main" val="1561984056"/>
-      </p:ext>
-    </p:extLst>
-  </p:cSld>
-  <p:clrMapOvr>
-    <a:masterClrMapping/>
-  </p:clrMapOvr>
-</p:sld>
-</file>
-
-<file path=ppt/slides/slide5.xml><?xml version="1.0" encoding="utf-8"?>
-<p:sld xmlns:a="http://schemas.openxmlformats.org/drawingml/2006/main" xmlns:r="http://schemas.openxmlformats.org/officeDocument/2006/relationships" xmlns:p="http://schemas.openxmlformats.org/presentationml/2006/main">
-  <p:cSld>
-    <p:spTree>
-      <p:nvGrpSpPr>
-        <p:cNvPr id="1" name=""/>
-        <p:cNvGrpSpPr/>
-        <p:nvPr/>
-      </p:nvGrpSpPr>
-      <p:grpSpPr>
-        <a:xfrm>
-          <a:off x="0" y="0"/>
-          <a:ext cx="0" cy="0"/>
-          <a:chOff x="0" y="0"/>
-          <a:chExt cx="0" cy="0"/>
-        </a:xfrm>
-      </p:grpSpPr>
-      <p:sp>
-        <p:nvSpPr>
-          <p:cNvPr id="2" name="Titre 1">
-            <a:extLst>
-              <a:ext uri="{FF2B5EF4-FFF2-40B4-BE49-F238E27FC236}">
-                <a16:creationId xmlns:a16="http://schemas.microsoft.com/office/drawing/2014/main" id="{8010D5A7-0B83-48EE-A2A5-EF16E6F3079F}"/>
-              </a:ext>
-            </a:extLst>
-          </p:cNvPr>
-          <p:cNvSpPr>
-            <a:spLocks noGrp="1"/>
-          </p:cNvSpPr>
-          <p:nvPr>
-            <p:ph type="title"/>
-          </p:nvPr>
-        </p:nvSpPr>
-        <p:spPr/>
-        <p:txBody>
-          <a:bodyPr/>
-          <a:lstStyle/>
-          <a:p>
-            <a:pPr algn="ctr"/>
-            <a:r>
-              <a:rPr lang="fr-FR" dirty="0"/>
-              <a:t>INFRASTRUCTURE</a:t>
-            </a:r>
-          </a:p>
-        </p:txBody>
-      </p:sp>
-      <p:sp>
-        <p:nvSpPr>
-          <p:cNvPr id="3" name="Espace réservé du contenu 2">
-            <a:extLst>
-              <a:ext uri="{FF2B5EF4-FFF2-40B4-BE49-F238E27FC236}">
-                <a16:creationId xmlns:a16="http://schemas.microsoft.com/office/drawing/2014/main" id="{F2B4B6E2-1AA2-44C2-A649-737E993389CF}"/>
-              </a:ext>
-            </a:extLst>
-          </p:cNvPr>
-          <p:cNvSpPr>
-            <a:spLocks noGrp="1"/>
-          </p:cNvSpPr>
-          <p:nvPr>
-            <p:ph idx="1"/>
-          </p:nvPr>
-        </p:nvSpPr>
-        <p:spPr/>
-        <p:txBody>
-          <a:bodyPr/>
-          <a:lstStyle/>
-          <a:p>
-            <a:endParaRPr lang="fr-FR"/>
-          </a:p>
-        </p:txBody>
-      </p:sp>
-      <p:pic>
-        <p:nvPicPr>
-          <p:cNvPr id="5" name="Image 4">
-            <a:extLst>
-              <a:ext uri="{FF2B5EF4-FFF2-40B4-BE49-F238E27FC236}">
-                <a16:creationId xmlns:a16="http://schemas.microsoft.com/office/drawing/2014/main" id="{C3D341EB-CDC4-4CA1-96A7-E2FC82B70E61}"/>
-              </a:ext>
-            </a:extLst>
-          </p:cNvPr>
-          <p:cNvPicPr>
-            <a:picLocks noChangeAspect="1"/>
-          </p:cNvPicPr>
-          <p:nvPr/>
-        </p:nvPicPr>
-        <p:blipFill>
-          <a:blip r:embed="rId2">
-            <a:extLst>
-              <a:ext uri="{28A0092B-C50C-407E-A947-70E740481C1C}">
-                <a14:useLocalDpi xmlns:a14="http://schemas.microsoft.com/office/drawing/2010/main" val="0"/>
-              </a:ext>
-            </a:extLst>
-          </a:blip>
-          <a:stretch>
-            <a:fillRect/>
-          </a:stretch>
-        </p:blipFill>
-        <p:spPr>
-          <a:xfrm>
-            <a:off x="126421" y="698913"/>
-            <a:ext cx="1121934" cy="565642"/>
-          </a:xfrm>
-          <a:prstGeom prst="rect">
-            <a:avLst/>
-          </a:prstGeom>
-        </p:spPr>
-      </p:pic>
-    </p:spTree>
-    <p:extLst>
-      <p:ext uri="{BB962C8B-B14F-4D97-AF65-F5344CB8AC3E}">
-        <p14:creationId xmlns:p14="http://schemas.microsoft.com/office/powerpoint/2010/main" val="624271585"/>
-      </p:ext>
-    </p:extLst>
-  </p:cSld>
-  <p:clrMapOvr>
-    <a:masterClrMapping/>
-  </p:clrMapOvr>
-</p:sld>
-</file>
-
-<file path=ppt/slides/slide6.xml><?xml version="1.0" encoding="utf-8"?>
-<p:sld xmlns:a="http://schemas.openxmlformats.org/drawingml/2006/main" xmlns:r="http://schemas.openxmlformats.org/officeDocument/2006/relationships" xmlns:p="http://schemas.openxmlformats.org/presentationml/2006/main">
-  <p:cSld>
-    <p:spTree>
-      <p:nvGrpSpPr>
-        <p:cNvPr id="1" name=""/>
-        <p:cNvGrpSpPr/>
-        <p:nvPr/>
-      </p:nvGrpSpPr>
-      <p:grpSpPr>
-        <a:xfrm>
-          <a:off x="0" y="0"/>
-          <a:ext cx="0" cy="0"/>
-          <a:chOff x="0" y="0"/>
-          <a:chExt cx="0" cy="0"/>
-        </a:xfrm>
-      </p:grpSpPr>
-      <p:sp>
-        <p:nvSpPr>
-          <p:cNvPr id="2" name="Titre 1">
-            <a:extLst>
-              <a:ext uri="{FF2B5EF4-FFF2-40B4-BE49-F238E27FC236}">
-                <a16:creationId xmlns:a16="http://schemas.microsoft.com/office/drawing/2014/main" id="{6EC8F199-20EE-45DE-885C-C3D8CF57C1E9}"/>
-              </a:ext>
-            </a:extLst>
-          </p:cNvPr>
-          <p:cNvSpPr>
-            <a:spLocks noGrp="1"/>
-          </p:cNvSpPr>
-          <p:nvPr>
-            <p:ph type="title"/>
-          </p:nvPr>
-        </p:nvSpPr>
-        <p:spPr/>
-        <p:txBody>
-          <a:bodyPr/>
-          <a:lstStyle/>
-          <a:p>
-            <a:pPr algn="ctr"/>
-            <a:r>
-              <a:rPr lang="fr-FR" dirty="0"/>
-              <a:t>SITE WEB</a:t>
-            </a:r>
-          </a:p>
-        </p:txBody>
-      </p:sp>
-      <p:sp>
-        <p:nvSpPr>
-          <p:cNvPr id="3" name="Espace réservé du contenu 2">
-            <a:extLst>
-              <a:ext uri="{FF2B5EF4-FFF2-40B4-BE49-F238E27FC236}">
-                <a16:creationId xmlns:a16="http://schemas.microsoft.com/office/drawing/2014/main" id="{D19EC1B0-F341-4A5E-B400-8BD0E4047793}"/>
-              </a:ext>
-            </a:extLst>
-          </p:cNvPr>
-          <p:cNvSpPr>
-            <a:spLocks noGrp="1"/>
-          </p:cNvSpPr>
-          <p:nvPr>
-            <p:ph idx="1"/>
-          </p:nvPr>
-        </p:nvSpPr>
-        <p:spPr/>
-        <p:txBody>
-          <a:bodyPr/>
-          <a:lstStyle/>
-          <a:p>
-            <a:endParaRPr lang="fr-FR"/>
-          </a:p>
-        </p:txBody>
-      </p:sp>
-      <p:pic>
-        <p:nvPicPr>
-          <p:cNvPr id="5" name="Image 4">
-            <a:extLst>
-              <a:ext uri="{FF2B5EF4-FFF2-40B4-BE49-F238E27FC236}">
-                <a16:creationId xmlns:a16="http://schemas.microsoft.com/office/drawing/2014/main" id="{1EBC8E86-2238-456C-8811-CD06F0E1A48F}"/>
-              </a:ext>
-            </a:extLst>
-          </p:cNvPr>
-          <p:cNvPicPr>
-            <a:picLocks noChangeAspect="1"/>
-          </p:cNvPicPr>
-          <p:nvPr/>
-        </p:nvPicPr>
-        <p:blipFill>
-          <a:blip r:embed="rId2">
-            <a:extLst>
-              <a:ext uri="{28A0092B-C50C-407E-A947-70E740481C1C}">
-                <a14:useLocalDpi xmlns:a14="http://schemas.microsoft.com/office/drawing/2010/main" val="0"/>
-              </a:ext>
-            </a:extLst>
-          </a:blip>
-          <a:stretch>
-            <a:fillRect/>
-          </a:stretch>
-        </p:blipFill>
-        <p:spPr>
-          <a:xfrm>
-            <a:off x="126421" y="698913"/>
-            <a:ext cx="1121934" cy="565642"/>
-          </a:xfrm>
-          <a:prstGeom prst="rect">
-            <a:avLst/>
-          </a:prstGeom>
-        </p:spPr>
-      </p:pic>
-    </p:spTree>
-    <p:extLst>
-      <p:ext uri="{BB962C8B-B14F-4D97-AF65-F5344CB8AC3E}">
-        <p14:creationId xmlns:p14="http://schemas.microsoft.com/office/powerpoint/2010/main" val="2430563280"/>
-      </p:ext>
-    </p:extLst>
-  </p:cSld>
-  <p:clrMapOvr>
-    <a:masterClrMapping/>
-  </p:clrMapOvr>
-</p:sld>
-</file>
-
-<file path=ppt/slides/slide7.xml><?xml version="1.0" encoding="utf-8"?>
-<p:sld xmlns:a="http://schemas.openxmlformats.org/drawingml/2006/main" xmlns:r="http://schemas.openxmlformats.org/officeDocument/2006/relationships" xmlns:p="http://schemas.openxmlformats.org/presentationml/2006/main">
-  <p:cSld>
-    <p:spTree>
-      <p:nvGrpSpPr>
-        <p:cNvPr id="1" name=""/>
-        <p:cNvGrpSpPr/>
-        <p:nvPr/>
-      </p:nvGrpSpPr>
-      <p:grpSpPr>
-        <a:xfrm>
-          <a:off x="0" y="0"/>
-          <a:ext cx="0" cy="0"/>
-          <a:chOff x="0" y="0"/>
-          <a:chExt cx="0" cy="0"/>
-        </a:xfrm>
-      </p:grpSpPr>
-      <p:sp>
-        <p:nvSpPr>
-          <p:cNvPr id="2" name="Titre 1">
-            <a:extLst>
-              <a:ext uri="{FF2B5EF4-FFF2-40B4-BE49-F238E27FC236}">
-                <a16:creationId xmlns:a16="http://schemas.microsoft.com/office/drawing/2014/main" id="{6201C9B4-B2DE-4FF8-9337-C9C2A5A1FB69}"/>
-              </a:ext>
-            </a:extLst>
-          </p:cNvPr>
-          <p:cNvSpPr>
-            <a:spLocks noGrp="1"/>
-          </p:cNvSpPr>
-          <p:nvPr>
-            <p:ph type="title"/>
-          </p:nvPr>
-        </p:nvSpPr>
-        <p:spPr/>
-        <p:txBody>
-          <a:bodyPr/>
-          <a:lstStyle/>
-          <a:p>
-            <a:pPr algn="ctr"/>
-            <a:r>
-              <a:rPr lang="fr-FR" dirty="0"/>
-              <a:t>APPLICATION</a:t>
-            </a:r>
-          </a:p>
-        </p:txBody>
-      </p:sp>
-      <p:sp>
-        <p:nvSpPr>
-          <p:cNvPr id="3" name="Espace réservé du contenu 2">
-            <a:extLst>
-              <a:ext uri="{FF2B5EF4-FFF2-40B4-BE49-F238E27FC236}">
-                <a16:creationId xmlns:a16="http://schemas.microsoft.com/office/drawing/2014/main" id="{148A9693-4195-489F-BE4E-E25A4EA98260}"/>
-              </a:ext>
-            </a:extLst>
-          </p:cNvPr>
-          <p:cNvSpPr>
-            <a:spLocks noGrp="1"/>
-          </p:cNvSpPr>
-          <p:nvPr>
-            <p:ph idx="1"/>
-          </p:nvPr>
-        </p:nvSpPr>
-        <p:spPr/>
-        <p:txBody>
-          <a:bodyPr/>
-          <a:lstStyle/>
-          <a:p>
-            <a:endParaRPr lang="fr-FR"/>
-          </a:p>
-        </p:txBody>
-      </p:sp>
-      <p:pic>
-        <p:nvPicPr>
-          <p:cNvPr id="5" name="Image 4">
-            <a:extLst>
-              <a:ext uri="{FF2B5EF4-FFF2-40B4-BE49-F238E27FC236}">
-                <a16:creationId xmlns:a16="http://schemas.microsoft.com/office/drawing/2014/main" id="{C51CFC71-555F-42E7-B2F3-C621210AEAA5}"/>
-              </a:ext>
-            </a:extLst>
-          </p:cNvPr>
-          <p:cNvPicPr>
-            <a:picLocks noChangeAspect="1"/>
-          </p:cNvPicPr>
-          <p:nvPr/>
-        </p:nvPicPr>
-        <p:blipFill>
-          <a:blip r:embed="rId2">
-            <a:extLst>
-              <a:ext uri="{28A0092B-C50C-407E-A947-70E740481C1C}">
-                <a14:useLocalDpi xmlns:a14="http://schemas.microsoft.com/office/drawing/2010/main" val="0"/>
-              </a:ext>
-            </a:extLst>
-          </a:blip>
-          <a:stretch>
-            <a:fillRect/>
-          </a:stretch>
-        </p:blipFill>
-        <p:spPr>
-          <a:xfrm>
-            <a:off x="126421" y="698913"/>
-            <a:ext cx="1121934" cy="565642"/>
-          </a:xfrm>
-          <a:prstGeom prst="rect">
-            <a:avLst/>
-          </a:prstGeom>
-        </p:spPr>
-      </p:pic>
-    </p:spTree>
-    <p:extLst>
-      <p:ext uri="{BB962C8B-B14F-4D97-AF65-F5344CB8AC3E}">
-        <p14:creationId xmlns:p14="http://schemas.microsoft.com/office/powerpoint/2010/main" val="3042507113"/>
-      </p:ext>
-    </p:extLst>
-  </p:cSld>
-  <p:clrMapOvr>
-    <a:masterClrMapping/>
-  </p:clrMapOvr>
-</p:sld>
-</file>
-
-<file path=ppt/slides/slide8.xml><?xml version="1.0" encoding="utf-8"?>
-<p:sld xmlns:a="http://schemas.openxmlformats.org/drawingml/2006/main" xmlns:r="http://schemas.openxmlformats.org/officeDocument/2006/relationships" xmlns:p="http://schemas.openxmlformats.org/presentationml/2006/main">
-  <p:cSld>
-    <p:spTree>
-      <p:nvGrpSpPr>
-        <p:cNvPr id="1" name=""/>
-        <p:cNvGrpSpPr/>
-        <p:nvPr/>
-      </p:nvGrpSpPr>
-      <p:grpSpPr>
-        <a:xfrm>
-          <a:off x="0" y="0"/>
-          <a:ext cx="0" cy="0"/>
-          <a:chOff x="0" y="0"/>
-          <a:chExt cx="0" cy="0"/>
-        </a:xfrm>
-      </p:grpSpPr>
-      <p:sp>
-        <p:nvSpPr>
-          <p:cNvPr id="2" name="Titre 1">
-            <a:extLst>
-              <a:ext uri="{FF2B5EF4-FFF2-40B4-BE49-F238E27FC236}">
-                <a16:creationId xmlns:a16="http://schemas.microsoft.com/office/drawing/2014/main" id="{11BCF0A1-0845-4717-9A01-85E1750EC97D}"/>
-              </a:ext>
-            </a:extLst>
-          </p:cNvPr>
-          <p:cNvSpPr>
-            <a:spLocks noGrp="1"/>
-          </p:cNvSpPr>
-          <p:nvPr>
-            <p:ph type="title"/>
-          </p:nvPr>
-        </p:nvSpPr>
-        <p:spPr/>
-        <p:txBody>
-          <a:bodyPr/>
-          <a:lstStyle/>
-          <a:p>
-            <a:pPr algn="ctr"/>
-            <a:r>
-              <a:rPr lang="fr-FR" dirty="0"/>
-              <a:t>AVANCEMENT</a:t>
-            </a:r>
-          </a:p>
-        </p:txBody>
-      </p:sp>
-      <p:sp>
-        <p:nvSpPr>
-          <p:cNvPr id="3" name="Espace réservé du contenu 2">
-            <a:extLst>
-              <a:ext uri="{FF2B5EF4-FFF2-40B4-BE49-F238E27FC236}">
-                <a16:creationId xmlns:a16="http://schemas.microsoft.com/office/drawing/2014/main" id="{1ED7F8F6-8F66-4769-A95B-F0E530D59BAF}"/>
-              </a:ext>
-            </a:extLst>
-          </p:cNvPr>
-          <p:cNvSpPr>
-            <a:spLocks noGrp="1"/>
-          </p:cNvSpPr>
-          <p:nvPr>
-            <p:ph idx="1"/>
-          </p:nvPr>
-        </p:nvSpPr>
-        <p:spPr/>
-        <p:txBody>
-          <a:bodyPr/>
-          <a:lstStyle/>
-          <a:p>
-            <a:r>
-              <a:rPr lang="fr-FR" dirty="0"/>
-              <a:t>Gestion de projet</a:t>
-            </a:r>
-          </a:p>
-          <a:p>
-            <a:endParaRPr lang="fr-FR" dirty="0"/>
-          </a:p>
-          <a:p>
-            <a:endParaRPr lang="fr-FR" dirty="0"/>
-          </a:p>
-          <a:p>
-            <a:r>
-              <a:rPr lang="fr-FR" dirty="0"/>
-              <a:t>Site web </a:t>
-            </a:r>
-          </a:p>
-          <a:p>
-            <a:endParaRPr lang="fr-FR" dirty="0"/>
-          </a:p>
-          <a:p>
-            <a:endParaRPr lang="fr-FR" dirty="0"/>
-          </a:p>
-          <a:p>
-            <a:r>
-              <a:rPr lang="fr-FR" dirty="0"/>
-              <a:t>Infrastructure</a:t>
-            </a:r>
-          </a:p>
-        </p:txBody>
-      </p:sp>
-      <p:pic>
-        <p:nvPicPr>
-          <p:cNvPr id="6" name="Image 5">
-            <a:extLst>
-              <a:ext uri="{FF2B5EF4-FFF2-40B4-BE49-F238E27FC236}">
-                <a16:creationId xmlns:a16="http://schemas.microsoft.com/office/drawing/2014/main" id="{7F8FEB4F-4335-42DC-A381-434ED09C184B}"/>
-              </a:ext>
-            </a:extLst>
-          </p:cNvPr>
-          <p:cNvPicPr>
-            <a:picLocks noChangeAspect="1"/>
-          </p:cNvPicPr>
-          <p:nvPr/>
-        </p:nvPicPr>
-        <p:blipFill>
-          <a:blip r:embed="rId2">
-            <a:extLst>
-              <a:ext uri="{28A0092B-C50C-407E-A947-70E740481C1C}">
-                <a14:useLocalDpi xmlns:a14="http://schemas.microsoft.com/office/drawing/2010/main" val="0"/>
-              </a:ext>
-            </a:extLst>
-          </a:blip>
-          <a:stretch>
-            <a:fillRect/>
-          </a:stretch>
-        </p:blipFill>
-        <p:spPr>
-          <a:xfrm>
-            <a:off x="4097572" y="3253177"/>
-            <a:ext cx="1293412" cy="769234"/>
-          </a:xfrm>
-          <a:prstGeom prst="rect">
-            <a:avLst/>
-          </a:prstGeom>
-        </p:spPr>
-      </p:pic>
-      <p:pic>
-        <p:nvPicPr>
-          <p:cNvPr id="7" name="Image 6">
-            <a:extLst>
-              <a:ext uri="{FF2B5EF4-FFF2-40B4-BE49-F238E27FC236}">
-                <a16:creationId xmlns:a16="http://schemas.microsoft.com/office/drawing/2014/main" id="{3B12713B-C368-430A-ABB6-0985CA1DEDC6}"/>
-              </a:ext>
-            </a:extLst>
-          </p:cNvPr>
-          <p:cNvPicPr>
-            <a:picLocks noChangeAspect="1"/>
-          </p:cNvPicPr>
-          <p:nvPr/>
-        </p:nvPicPr>
-        <p:blipFill>
-          <a:blip r:embed="rId3">
-            <a:extLst>
-              <a:ext uri="{28A0092B-C50C-407E-A947-70E740481C1C}">
-                <a14:useLocalDpi xmlns:a14="http://schemas.microsoft.com/office/drawing/2010/main" val="0"/>
-              </a:ext>
-            </a:extLst>
-          </a:blip>
-          <a:stretch>
-            <a:fillRect/>
-          </a:stretch>
-        </p:blipFill>
-        <p:spPr>
-          <a:xfrm>
-            <a:off x="126421" y="698913"/>
-            <a:ext cx="1121934" cy="565642"/>
-          </a:xfrm>
-          <a:prstGeom prst="rect">
-            <a:avLst/>
-          </a:prstGeom>
-        </p:spPr>
-      </p:pic>
-    </p:spTree>
-    <p:extLst>
-      <p:ext uri="{BB962C8B-B14F-4D97-AF65-F5344CB8AC3E}">
-        <p14:creationId xmlns:p14="http://schemas.microsoft.com/office/powerpoint/2010/main" val="110905116"/>
-      </p:ext>
-    </p:extLst>
-  </p:cSld>
-  <p:clrMapOvr>
-    <a:masterClrMapping/>
-  </p:clrMapOvr>
-</p:sld>
-</file>
-
-<file path=ppt/slides/slide9.xml><?xml version="1.0" encoding="utf-8"?>
-<p:sld xmlns:a="http://schemas.openxmlformats.org/drawingml/2006/main" xmlns:r="http://schemas.openxmlformats.org/officeDocument/2006/relationships" xmlns:p="http://schemas.openxmlformats.org/presentationml/2006/main">
-  <p:cSld>
-    <p:spTree>
-      <p:nvGrpSpPr>
-        <p:cNvPr id="1" name=""/>
-        <p:cNvGrpSpPr/>
-        <p:nvPr/>
-      </p:nvGrpSpPr>
-      <p:grpSpPr>
-        <a:xfrm>
-          <a:off x="0" y="0"/>
-          <a:ext cx="0" cy="0"/>
-          <a:chOff x="0" y="0"/>
-          <a:chExt cx="0" cy="0"/>
-        </a:xfrm>
-      </p:grpSpPr>
-      <p:sp>
-        <p:nvSpPr>
-          <p:cNvPr id="2" name="Titre 1">
-            <a:extLst>
-              <a:ext uri="{FF2B5EF4-FFF2-40B4-BE49-F238E27FC236}">
-                <a16:creationId xmlns:a16="http://schemas.microsoft.com/office/drawing/2014/main" id="{EBDBBF50-0AD8-466E-9B33-9DCEE61B01D9}"/>
-              </a:ext>
-            </a:extLst>
-          </p:cNvPr>
-          <p:cNvSpPr>
-            <a:spLocks noGrp="1"/>
-          </p:cNvSpPr>
-          <p:nvPr>
-            <p:ph type="title"/>
-          </p:nvPr>
-        </p:nvSpPr>
-        <p:spPr/>
-        <p:txBody>
-          <a:bodyPr/>
-          <a:lstStyle/>
-          <a:p>
-            <a:pPr algn="ctr"/>
-            <a:r>
-              <a:rPr lang="fr-FR" dirty="0"/>
-              <a:t>ORGANISATION</a:t>
-            </a:r>
-          </a:p>
-        </p:txBody>
-      </p:sp>
-      <p:sp>
-        <p:nvSpPr>
-          <p:cNvPr id="3" name="Espace réservé du contenu 2">
-            <a:extLst>
-              <a:ext uri="{FF2B5EF4-FFF2-40B4-BE49-F238E27FC236}">
-                <a16:creationId xmlns:a16="http://schemas.microsoft.com/office/drawing/2014/main" id="{46C267A3-E6DA-4E23-A5F9-3DE82C61F64D}"/>
-              </a:ext>
-            </a:extLst>
-          </p:cNvPr>
-          <p:cNvSpPr>
-            <a:spLocks noGrp="1"/>
-          </p:cNvSpPr>
-          <p:nvPr>
-            <p:ph idx="1"/>
-          </p:nvPr>
-        </p:nvSpPr>
-        <p:spPr/>
-        <p:txBody>
-          <a:bodyPr/>
-          <a:lstStyle/>
-          <a:p>
-            <a:pPr>
-              <a:spcAft>
-                <a:spcPts val="2400"/>
-              </a:spcAft>
-            </a:pPr>
-            <a:r>
-              <a:rPr lang="fr-FR" dirty="0"/>
-              <a:t>DEGARAM Yoann</a:t>
-            </a:r>
-          </a:p>
-          <a:p>
-            <a:pPr>
-              <a:spcAft>
-                <a:spcPts val="2400"/>
-              </a:spcAft>
-            </a:pPr>
-            <a:endParaRPr lang="fr-FR" dirty="0"/>
-          </a:p>
-          <a:p>
-            <a:pPr>
-              <a:spcAft>
-                <a:spcPts val="2400"/>
-              </a:spcAft>
-            </a:pPr>
-            <a:r>
-              <a:rPr lang="fr-FR" dirty="0"/>
-              <a:t>MAGNE Jeremy</a:t>
-            </a:r>
-          </a:p>
-          <a:p>
-            <a:pPr>
-              <a:spcAft>
-                <a:spcPts val="2400"/>
-              </a:spcAft>
-            </a:pPr>
-            <a:endParaRPr lang="fr-FR" dirty="0"/>
-          </a:p>
-          <a:p>
-            <a:pPr>
-              <a:spcAft>
-                <a:spcPts val="2400"/>
-              </a:spcAft>
-            </a:pPr>
-            <a:r>
-              <a:rPr lang="fr-FR" dirty="0"/>
-              <a:t>BENSLIMAN Amine</a:t>
-            </a:r>
-          </a:p>
-        </p:txBody>
-      </p:sp>
-      <p:pic>
-        <p:nvPicPr>
-          <p:cNvPr id="5" name="Image 4">
-            <a:extLst>
-              <a:ext uri="{FF2B5EF4-FFF2-40B4-BE49-F238E27FC236}">
-                <a16:creationId xmlns:a16="http://schemas.microsoft.com/office/drawing/2014/main" id="{DDA2F29D-C31F-487D-98F4-511A69261921}"/>
-              </a:ext>
-            </a:extLst>
-          </p:cNvPr>
-          <p:cNvPicPr>
-            <a:picLocks noChangeAspect="1"/>
-          </p:cNvPicPr>
-          <p:nvPr/>
-        </p:nvPicPr>
-        <p:blipFill>
-          <a:blip r:embed="rId2">
-            <a:extLst>
-              <a:ext uri="{28A0092B-C50C-407E-A947-70E740481C1C}">
-                <a14:useLocalDpi xmlns:a14="http://schemas.microsoft.com/office/drawing/2010/main" val="0"/>
-              </a:ext>
-            </a:extLst>
-          </a:blip>
-          <a:stretch>
-            <a:fillRect/>
-          </a:stretch>
-        </p:blipFill>
-        <p:spPr>
-          <a:xfrm>
-            <a:off x="126421" y="698913"/>
-            <a:ext cx="1121934" cy="565642"/>
-          </a:xfrm>
-          <a:prstGeom prst="rect">
-            <a:avLst/>
-          </a:prstGeom>
-        </p:spPr>
-      </p:pic>
-    </p:spTree>
-    <p:extLst>
-      <p:ext uri="{BB962C8B-B14F-4D97-AF65-F5344CB8AC3E}">
-        <p14:creationId xmlns:p14="http://schemas.microsoft.com/office/powerpoint/2010/main" val="1640071552"/>
       </p:ext>
     </p:extLst>
   </p:cSld>
